--- a/HW3/fig/slide4figs.pptx
+++ b/HW3/fig/slide4figs.pptx
@@ -5,10 +5,13 @@
     <p:sldMasterId id="2147483648" r:id="rId1"/>
   </p:sldMasterIdLst>
   <p:notesMasterIdLst>
-    <p:notesMasterId r:id="rId3"/>
+    <p:notesMasterId r:id="rId6"/>
   </p:notesMasterIdLst>
   <p:sldIdLst>
     <p:sldId id="257" r:id="rId2"/>
+    <p:sldId id="258" r:id="rId3"/>
+    <p:sldId id="259" r:id="rId4"/>
+    <p:sldId id="260" r:id="rId5"/>
   </p:sldIdLst>
   <p:sldSz cx="12192000" cy="6858000"/>
   <p:notesSz cx="6858000" cy="9144000"/>
@@ -107,6 +110,11 @@
       </a:defRPr>
     </a:lvl9pPr>
   </p:defaultTextStyle>
+  <p:extLst>
+    <p:ext uri="{EFAFB233-063F-42B5-8137-9DF3F51BA10A}">
+      <p15:sldGuideLst xmlns:p15="http://schemas.microsoft.com/office/powerpoint/2012/main"/>
+    </p:ext>
+  </p:extLst>
 </p:presentation>
 </file>
 
@@ -192,7 +200,7 @@
           <a:p>
             <a:fld id="{279525A2-CAE3-1D4C-972A-196D6D33845A}" type="datetimeFigureOut">
               <a:rPr kumimoji="1" lang="ja-JP" altLang="en-US" smtClean="0"/>
-              <a:t>2021/3/6</a:t>
+              <a:t>2021/3/7</a:t>
             </a:fld>
             <a:endParaRPr kumimoji="1" lang="ja-JP" altLang="en-US"/>
           </a:p>
@@ -722,7 +730,7 @@
           <a:p>
             <a:fld id="{07594801-2092-7A4B-A83C-62DAF7A159E9}" type="datetimeFigureOut">
               <a:rPr kumimoji="1" lang="ja-JP" altLang="en-US" smtClean="0"/>
-              <a:t>2021/3/6</a:t>
+              <a:t>2021/3/7</a:t>
             </a:fld>
             <a:endParaRPr kumimoji="1" lang="ja-JP" altLang="en-US"/>
           </a:p>
@@ -952,7 +960,7 @@
           <a:p>
             <a:fld id="{07594801-2092-7A4B-A83C-62DAF7A159E9}" type="datetimeFigureOut">
               <a:rPr kumimoji="1" lang="ja-JP" altLang="en-US" smtClean="0"/>
-              <a:t>2021/3/6</a:t>
+              <a:t>2021/3/7</a:t>
             </a:fld>
             <a:endParaRPr kumimoji="1" lang="ja-JP" altLang="en-US"/>
           </a:p>
@@ -1192,7 +1200,7 @@
           <a:p>
             <a:fld id="{07594801-2092-7A4B-A83C-62DAF7A159E9}" type="datetimeFigureOut">
               <a:rPr kumimoji="1" lang="ja-JP" altLang="en-US" smtClean="0"/>
-              <a:t>2021/3/6</a:t>
+              <a:t>2021/3/7</a:t>
             </a:fld>
             <a:endParaRPr kumimoji="1" lang="ja-JP" altLang="en-US"/>
           </a:p>
@@ -1422,7 +1430,7 @@
           <a:p>
             <a:fld id="{07594801-2092-7A4B-A83C-62DAF7A159E9}" type="datetimeFigureOut">
               <a:rPr kumimoji="1" lang="ja-JP" altLang="en-US" smtClean="0"/>
-              <a:t>2021/3/6</a:t>
+              <a:t>2021/3/7</a:t>
             </a:fld>
             <a:endParaRPr kumimoji="1" lang="ja-JP" altLang="en-US"/>
           </a:p>
@@ -1697,7 +1705,7 @@
           <a:p>
             <a:fld id="{07594801-2092-7A4B-A83C-62DAF7A159E9}" type="datetimeFigureOut">
               <a:rPr kumimoji="1" lang="ja-JP" altLang="en-US" smtClean="0"/>
-              <a:t>2021/3/6</a:t>
+              <a:t>2021/3/7</a:t>
             </a:fld>
             <a:endParaRPr kumimoji="1" lang="ja-JP" altLang="en-US"/>
           </a:p>
@@ -2026,7 +2034,7 @@
           <a:p>
             <a:fld id="{07594801-2092-7A4B-A83C-62DAF7A159E9}" type="datetimeFigureOut">
               <a:rPr kumimoji="1" lang="ja-JP" altLang="en-US" smtClean="0"/>
-              <a:t>2021/3/6</a:t>
+              <a:t>2021/3/7</a:t>
             </a:fld>
             <a:endParaRPr kumimoji="1" lang="ja-JP" altLang="en-US"/>
           </a:p>
@@ -2502,7 +2510,7 @@
           <a:p>
             <a:fld id="{07594801-2092-7A4B-A83C-62DAF7A159E9}" type="datetimeFigureOut">
               <a:rPr kumimoji="1" lang="ja-JP" altLang="en-US" smtClean="0"/>
-              <a:t>2021/3/6</a:t>
+              <a:t>2021/3/7</a:t>
             </a:fld>
             <a:endParaRPr kumimoji="1" lang="ja-JP" altLang="en-US"/>
           </a:p>
@@ -2643,7 +2651,7 @@
           <a:p>
             <a:fld id="{07594801-2092-7A4B-A83C-62DAF7A159E9}" type="datetimeFigureOut">
               <a:rPr kumimoji="1" lang="ja-JP" altLang="en-US" smtClean="0"/>
-              <a:t>2021/3/6</a:t>
+              <a:t>2021/3/7</a:t>
             </a:fld>
             <a:endParaRPr kumimoji="1" lang="ja-JP" altLang="en-US"/>
           </a:p>
@@ -2756,7 +2764,7 @@
           <a:p>
             <a:fld id="{07594801-2092-7A4B-A83C-62DAF7A159E9}" type="datetimeFigureOut">
               <a:rPr kumimoji="1" lang="ja-JP" altLang="en-US" smtClean="0"/>
-              <a:t>2021/3/6</a:t>
+              <a:t>2021/3/7</a:t>
             </a:fld>
             <a:endParaRPr kumimoji="1" lang="ja-JP" altLang="en-US"/>
           </a:p>
@@ -3099,7 +3107,7 @@
           <a:p>
             <a:fld id="{07594801-2092-7A4B-A83C-62DAF7A159E9}" type="datetimeFigureOut">
               <a:rPr kumimoji="1" lang="ja-JP" altLang="en-US" smtClean="0"/>
-              <a:t>2021/3/6</a:t>
+              <a:t>2021/3/7</a:t>
             </a:fld>
             <a:endParaRPr kumimoji="1" lang="ja-JP" altLang="en-US"/>
           </a:p>
@@ -3387,7 +3395,7 @@
           <a:p>
             <a:fld id="{07594801-2092-7A4B-A83C-62DAF7A159E9}" type="datetimeFigureOut">
               <a:rPr kumimoji="1" lang="ja-JP" altLang="en-US" smtClean="0"/>
-              <a:t>2021/3/6</a:t>
+              <a:t>2021/3/7</a:t>
             </a:fld>
             <a:endParaRPr kumimoji="1" lang="ja-JP" altLang="en-US"/>
           </a:p>
@@ -3660,7 +3668,7 @@
           <a:p>
             <a:fld id="{07594801-2092-7A4B-A83C-62DAF7A159E9}" type="datetimeFigureOut">
               <a:rPr kumimoji="1" lang="ja-JP" altLang="en-US" smtClean="0"/>
-              <a:t>2021/3/6</a:t>
+              <a:t>2021/3/7</a:t>
             </a:fld>
             <a:endParaRPr kumimoji="1" lang="ja-JP" altLang="en-US"/>
           </a:p>
@@ -4462,8 +4470,8 @@
           </a:fontRef>
         </p:style>
       </p:cxnSp>
-      <mc:AlternateContent xmlns:mc="http://schemas.openxmlformats.org/markup-compatibility/2006">
-        <mc:Choice xmlns:a14="http://schemas.microsoft.com/office/drawing/2010/main" Requires="a14">
+      <mc:AlternateContent xmlns:mc="http://schemas.openxmlformats.org/markup-compatibility/2006" xmlns:a14="http://schemas.microsoft.com/office/drawing/2010/main">
+        <mc:Choice Requires="a14">
           <p:sp>
             <p:nvSpPr>
               <p:cNvPr id="21" name="テキスト ボックス 20">
@@ -4492,6 +4500,7 @@
               </a:bodyPr>
               <a:lstStyle/>
               <a:p>
+                <a:pPr/>
                 <a14:m>
                   <m:oMathPara xmlns:m="http://schemas.openxmlformats.org/officeDocument/2006/math">
                     <m:oMathParaPr>
@@ -4537,7 +4546,7 @@
             </p:txBody>
           </p:sp>
         </mc:Choice>
-        <mc:Fallback>
+        <mc:Fallback xmlns="">
           <p:sp>
             <p:nvSpPr>
               <p:cNvPr id="21" name="テキスト ボックス 20">
@@ -4582,8 +4591,8 @@
           </p:sp>
         </mc:Fallback>
       </mc:AlternateContent>
-      <mc:AlternateContent xmlns:mc="http://schemas.openxmlformats.org/markup-compatibility/2006">
-        <mc:Choice xmlns:a14="http://schemas.microsoft.com/office/drawing/2010/main" Requires="a14">
+      <mc:AlternateContent xmlns:mc="http://schemas.openxmlformats.org/markup-compatibility/2006" xmlns:a14="http://schemas.microsoft.com/office/drawing/2010/main">
+        <mc:Choice Requires="a14">
           <p:sp>
             <p:nvSpPr>
               <p:cNvPr id="22" name="テキスト ボックス 21">
@@ -4612,6 +4621,7 @@
               </a:bodyPr>
               <a:lstStyle/>
               <a:p>
+                <a:pPr/>
                 <a14:m>
                   <m:oMathPara xmlns:m="http://schemas.openxmlformats.org/officeDocument/2006/math">
                     <m:oMathParaPr>
@@ -4678,7 +4688,7 @@
             </p:txBody>
           </p:sp>
         </mc:Choice>
-        <mc:Fallback>
+        <mc:Fallback xmlns="">
           <p:sp>
             <p:nvSpPr>
               <p:cNvPr id="22" name="テキスト ボックス 21">
@@ -4723,8 +4733,8 @@
           </p:sp>
         </mc:Fallback>
       </mc:AlternateContent>
-      <mc:AlternateContent xmlns:mc="http://schemas.openxmlformats.org/markup-compatibility/2006">
-        <mc:Choice xmlns:a14="http://schemas.microsoft.com/office/drawing/2010/main" Requires="a14">
+      <mc:AlternateContent xmlns:mc="http://schemas.openxmlformats.org/markup-compatibility/2006" xmlns:a14="http://schemas.microsoft.com/office/drawing/2010/main">
+        <mc:Choice Requires="a14">
           <p:sp>
             <p:nvSpPr>
               <p:cNvPr id="24" name="テキスト ボックス 23">
@@ -4753,6 +4763,7 @@
               </a:bodyPr>
               <a:lstStyle/>
               <a:p>
+                <a:pPr/>
                 <a14:m>
                   <m:oMathPara xmlns:m="http://schemas.openxmlformats.org/officeDocument/2006/math">
                     <m:oMathParaPr>
@@ -4773,7 +4784,7 @@
             </p:txBody>
           </p:sp>
         </mc:Choice>
-        <mc:Fallback>
+        <mc:Fallback xmlns="">
           <p:sp>
             <p:nvSpPr>
               <p:cNvPr id="24" name="テキスト ボックス 23">
@@ -4818,8 +4829,8 @@
           </p:sp>
         </mc:Fallback>
       </mc:AlternateContent>
-      <mc:AlternateContent xmlns:mc="http://schemas.openxmlformats.org/markup-compatibility/2006">
-        <mc:Choice xmlns:a14="http://schemas.microsoft.com/office/drawing/2010/main" Requires="a14">
+      <mc:AlternateContent xmlns:mc="http://schemas.openxmlformats.org/markup-compatibility/2006" xmlns:a14="http://schemas.microsoft.com/office/drawing/2010/main">
+        <mc:Choice Requires="a14">
           <p:sp>
             <p:nvSpPr>
               <p:cNvPr id="25" name="テキスト ボックス 24">
@@ -4848,6 +4859,7 @@
               </a:bodyPr>
               <a:lstStyle/>
               <a:p>
+                <a:pPr/>
                 <a14:m>
                   <m:oMathPara xmlns:m="http://schemas.openxmlformats.org/officeDocument/2006/math">
                     <m:oMathParaPr>
@@ -4868,7 +4880,7 @@
             </p:txBody>
           </p:sp>
         </mc:Choice>
-        <mc:Fallback>
+        <mc:Fallback xmlns="">
           <p:sp>
             <p:nvSpPr>
               <p:cNvPr id="25" name="テキスト ボックス 24">
@@ -4913,8 +4925,8 @@
           </p:sp>
         </mc:Fallback>
       </mc:AlternateContent>
-      <mc:AlternateContent xmlns:mc="http://schemas.openxmlformats.org/markup-compatibility/2006">
-        <mc:Choice xmlns:a14="http://schemas.microsoft.com/office/drawing/2010/main" Requires="a14">
+      <mc:AlternateContent xmlns:mc="http://schemas.openxmlformats.org/markup-compatibility/2006" xmlns:a14="http://schemas.microsoft.com/office/drawing/2010/main">
+        <mc:Choice Requires="a14">
           <p:sp>
             <p:nvSpPr>
               <p:cNvPr id="26" name="テキスト ボックス 25">
@@ -4943,6 +4955,7 @@
               </a:bodyPr>
               <a:lstStyle/>
               <a:p>
+                <a:pPr/>
                 <a14:m>
                   <m:oMathPara xmlns:m="http://schemas.openxmlformats.org/officeDocument/2006/math">
                     <m:oMathParaPr>
@@ -4963,7 +4976,7 @@
             </p:txBody>
           </p:sp>
         </mc:Choice>
-        <mc:Fallback>
+        <mc:Fallback xmlns="">
           <p:sp>
             <p:nvSpPr>
               <p:cNvPr id="26" name="テキスト ボックス 25">
@@ -5008,8 +5021,8 @@
           </p:sp>
         </mc:Fallback>
       </mc:AlternateContent>
-      <mc:AlternateContent xmlns:mc="http://schemas.openxmlformats.org/markup-compatibility/2006">
-        <mc:Choice xmlns:a14="http://schemas.microsoft.com/office/drawing/2010/main" Requires="a14">
+      <mc:AlternateContent xmlns:mc="http://schemas.openxmlformats.org/markup-compatibility/2006" xmlns:a14="http://schemas.microsoft.com/office/drawing/2010/main">
+        <mc:Choice Requires="a14">
           <p:sp>
             <p:nvSpPr>
               <p:cNvPr id="27" name="テキスト ボックス 26">
@@ -5038,6 +5051,7 @@
               </a:bodyPr>
               <a:lstStyle/>
               <a:p>
+                <a:pPr/>
                 <a14:m>
                   <m:oMathPara xmlns:m="http://schemas.openxmlformats.org/officeDocument/2006/math">
                     <m:oMathParaPr>
@@ -5058,7 +5072,7 @@
             </p:txBody>
           </p:sp>
         </mc:Choice>
-        <mc:Fallback>
+        <mc:Fallback xmlns="">
           <p:sp>
             <p:nvSpPr>
               <p:cNvPr id="27" name="テキスト ボックス 26">
@@ -5103,8 +5117,8 @@
           </p:sp>
         </mc:Fallback>
       </mc:AlternateContent>
-      <mc:AlternateContent xmlns:mc="http://schemas.openxmlformats.org/markup-compatibility/2006">
-        <mc:Choice xmlns:a14="http://schemas.microsoft.com/office/drawing/2010/main" Requires="a14">
+      <mc:AlternateContent xmlns:mc="http://schemas.openxmlformats.org/markup-compatibility/2006" xmlns:a14="http://schemas.microsoft.com/office/drawing/2010/main">
+        <mc:Choice Requires="a14">
           <p:sp>
             <p:nvSpPr>
               <p:cNvPr id="28" name="テキスト ボックス 27">
@@ -5133,6 +5147,7 @@
               </a:bodyPr>
               <a:lstStyle/>
               <a:p>
+                <a:pPr/>
                 <a14:m>
                   <m:oMathPara xmlns:m="http://schemas.openxmlformats.org/officeDocument/2006/math">
                     <m:oMathParaPr>
@@ -5159,7 +5174,7 @@
             </p:txBody>
           </p:sp>
         </mc:Choice>
-        <mc:Fallback>
+        <mc:Fallback xmlns="">
           <p:sp>
             <p:nvSpPr>
               <p:cNvPr id="28" name="テキスト ボックス 27">
@@ -5204,8 +5219,8 @@
           </p:sp>
         </mc:Fallback>
       </mc:AlternateContent>
-      <mc:AlternateContent xmlns:mc="http://schemas.openxmlformats.org/markup-compatibility/2006">
-        <mc:Choice xmlns:a14="http://schemas.microsoft.com/office/drawing/2010/main" Requires="a14">
+      <mc:AlternateContent xmlns:mc="http://schemas.openxmlformats.org/markup-compatibility/2006" xmlns:a14="http://schemas.microsoft.com/office/drawing/2010/main">
+        <mc:Choice Requires="a14">
           <p:sp>
             <p:nvSpPr>
               <p:cNvPr id="30" name="テキスト ボックス 29">
@@ -5234,6 +5249,7 @@
               </a:bodyPr>
               <a:lstStyle/>
               <a:p>
+                <a:pPr/>
                 <a14:m>
                   <m:oMathPara xmlns:m="http://schemas.openxmlformats.org/officeDocument/2006/math">
                     <m:oMathParaPr>
@@ -5273,7 +5289,7 @@
             </p:txBody>
           </p:sp>
         </mc:Choice>
-        <mc:Fallback>
+        <mc:Fallback xmlns="">
           <p:sp>
             <p:nvSpPr>
               <p:cNvPr id="30" name="テキスト ボックス 29">
@@ -5318,8 +5334,8 @@
           </p:sp>
         </mc:Fallback>
       </mc:AlternateContent>
-      <mc:AlternateContent xmlns:mc="http://schemas.openxmlformats.org/markup-compatibility/2006">
-        <mc:Choice xmlns:a14="http://schemas.microsoft.com/office/drawing/2010/main" Requires="a14">
+      <mc:AlternateContent xmlns:mc="http://schemas.openxmlformats.org/markup-compatibility/2006" xmlns:a14="http://schemas.microsoft.com/office/drawing/2010/main">
+        <mc:Choice Requires="a14">
           <p:sp>
             <p:nvSpPr>
               <p:cNvPr id="31" name="テキスト ボックス 30">
@@ -5348,6 +5364,7 @@
               </a:bodyPr>
               <a:lstStyle/>
               <a:p>
+                <a:pPr/>
                 <a14:m>
                   <m:oMathPara xmlns:m="http://schemas.openxmlformats.org/officeDocument/2006/math">
                     <m:oMathParaPr>
@@ -5387,7 +5404,7 @@
             </p:txBody>
           </p:sp>
         </mc:Choice>
-        <mc:Fallback>
+        <mc:Fallback xmlns="">
           <p:sp>
             <p:nvSpPr>
               <p:cNvPr id="31" name="テキスト ボックス 30">
@@ -5432,8 +5449,8 @@
           </p:sp>
         </mc:Fallback>
       </mc:AlternateContent>
-      <mc:AlternateContent xmlns:mc="http://schemas.openxmlformats.org/markup-compatibility/2006">
-        <mc:Choice xmlns:a14="http://schemas.microsoft.com/office/drawing/2010/main" Requires="a14">
+      <mc:AlternateContent xmlns:mc="http://schemas.openxmlformats.org/markup-compatibility/2006" xmlns:a14="http://schemas.microsoft.com/office/drawing/2010/main">
+        <mc:Choice Requires="a14">
           <p:sp>
             <p:nvSpPr>
               <p:cNvPr id="32" name="テキスト ボックス 31">
@@ -5462,6 +5479,7 @@
               </a:bodyPr>
               <a:lstStyle/>
               <a:p>
+                <a:pPr/>
                 <a14:m>
                   <m:oMathPara xmlns:m="http://schemas.openxmlformats.org/officeDocument/2006/math">
                     <m:oMathParaPr>
@@ -5501,7 +5519,7 @@
             </p:txBody>
           </p:sp>
         </mc:Choice>
-        <mc:Fallback>
+        <mc:Fallback xmlns="">
           <p:sp>
             <p:nvSpPr>
               <p:cNvPr id="32" name="テキスト ボックス 31">
@@ -5636,6 +5654,412 @@
     <p:extLst>
       <p:ext uri="{BB962C8B-B14F-4D97-AF65-F5344CB8AC3E}">
         <p14:creationId xmlns:p14="http://schemas.microsoft.com/office/powerpoint/2010/main" val="1998515399"/>
+      </p:ext>
+    </p:extLst>
+  </p:cSld>
+  <p:clrMapOvr>
+    <a:masterClrMapping/>
+  </p:clrMapOvr>
+</p:sld>
+</file>
+
+<file path=ppt/slides/slide2.xml><?xml version="1.0" encoding="utf-8"?>
+<p:sld xmlns:a="http://schemas.openxmlformats.org/drawingml/2006/main" xmlns:r="http://schemas.openxmlformats.org/officeDocument/2006/relationships" xmlns:p="http://schemas.openxmlformats.org/presentationml/2006/main">
+  <p:cSld>
+    <p:spTree>
+      <p:nvGrpSpPr>
+        <p:cNvPr id="1" name=""/>
+        <p:cNvGrpSpPr/>
+        <p:nvPr/>
+      </p:nvGrpSpPr>
+      <p:grpSpPr>
+        <a:xfrm>
+          <a:off x="0" y="0"/>
+          <a:ext cx="0" cy="0"/>
+          <a:chOff x="0" y="0"/>
+          <a:chExt cx="0" cy="0"/>
+        </a:xfrm>
+      </p:grpSpPr>
+    </p:spTree>
+    <p:extLst>
+      <p:ext uri="{BB962C8B-B14F-4D97-AF65-F5344CB8AC3E}">
+        <p14:creationId xmlns:p14="http://schemas.microsoft.com/office/powerpoint/2010/main" val="2063830630"/>
+      </p:ext>
+    </p:extLst>
+  </p:cSld>
+  <p:clrMapOvr>
+    <a:masterClrMapping/>
+  </p:clrMapOvr>
+</p:sld>
+</file>
+
+<file path=ppt/slides/slide3.xml><?xml version="1.0" encoding="utf-8"?>
+<p:sld xmlns:a="http://schemas.openxmlformats.org/drawingml/2006/main" xmlns:r="http://schemas.openxmlformats.org/officeDocument/2006/relationships" xmlns:p="http://schemas.openxmlformats.org/presentationml/2006/main">
+  <p:cSld>
+    <p:spTree>
+      <p:nvGrpSpPr>
+        <p:cNvPr id="1" name=""/>
+        <p:cNvGrpSpPr/>
+        <p:nvPr/>
+      </p:nvGrpSpPr>
+      <p:grpSpPr>
+        <a:xfrm>
+          <a:off x="0" y="0"/>
+          <a:ext cx="0" cy="0"/>
+          <a:chOff x="0" y="0"/>
+          <a:chExt cx="0" cy="0"/>
+        </a:xfrm>
+      </p:grpSpPr>
+      <p:pic>
+        <p:nvPicPr>
+          <p:cNvPr id="3" name="図 2" descr="テーブル&#10;&#10;自動的に生成された説明">
+            <a:extLst>
+              <a:ext uri="{FF2B5EF4-FFF2-40B4-BE49-F238E27FC236}">
+                <a16:creationId xmlns:a16="http://schemas.microsoft.com/office/drawing/2014/main" id="{05284D7E-41A6-C84A-A4FD-3D2DA33FB39E}"/>
+              </a:ext>
+            </a:extLst>
+          </p:cNvPr>
+          <p:cNvPicPr>
+            <a:picLocks noChangeAspect="1"/>
+          </p:cNvPicPr>
+          <p:nvPr/>
+        </p:nvPicPr>
+        <p:blipFill>
+          <a:blip r:embed="rId2"/>
+          <a:stretch>
+            <a:fillRect/>
+          </a:stretch>
+        </p:blipFill>
+        <p:spPr>
+          <a:xfrm>
+            <a:off x="2540000" y="762000"/>
+            <a:ext cx="7112000" cy="5334000"/>
+          </a:xfrm>
+          <a:prstGeom prst="rect">
+            <a:avLst/>
+          </a:prstGeom>
+        </p:spPr>
+      </p:pic>
+      <p:cxnSp>
+        <p:nvCxnSpPr>
+          <p:cNvPr id="7" name="直線コネクタ 6">
+            <a:extLst>
+              <a:ext uri="{FF2B5EF4-FFF2-40B4-BE49-F238E27FC236}">
+                <a16:creationId xmlns:a16="http://schemas.microsoft.com/office/drawing/2014/main" id="{FF2695E6-238B-FC44-AFC4-FABFC57C2FC0}"/>
+              </a:ext>
+            </a:extLst>
+          </p:cNvPr>
+          <p:cNvCxnSpPr>
+            <a:cxnSpLocks/>
+          </p:cNvCxnSpPr>
+          <p:nvPr/>
+        </p:nvCxnSpPr>
+        <p:spPr>
+          <a:xfrm>
+            <a:off x="3920358" y="1734206"/>
+            <a:ext cx="3689131" cy="0"/>
+          </a:xfrm>
+          <a:prstGeom prst="line">
+            <a:avLst/>
+          </a:prstGeom>
+          <a:ln w="101600">
+            <a:solidFill>
+              <a:srgbClr val="FF0000"/>
+            </a:solidFill>
+          </a:ln>
+        </p:spPr>
+        <p:style>
+          <a:lnRef idx="1">
+            <a:schemeClr val="accent1"/>
+          </a:lnRef>
+          <a:fillRef idx="0">
+            <a:schemeClr val="accent1"/>
+          </a:fillRef>
+          <a:effectRef idx="0">
+            <a:schemeClr val="accent1"/>
+          </a:effectRef>
+          <a:fontRef idx="minor">
+            <a:schemeClr val="tx1"/>
+          </a:fontRef>
+        </p:style>
+      </p:cxnSp>
+      <p:cxnSp>
+        <p:nvCxnSpPr>
+          <p:cNvPr id="9" name="直線コネクタ 8">
+            <a:extLst>
+              <a:ext uri="{FF2B5EF4-FFF2-40B4-BE49-F238E27FC236}">
+                <a16:creationId xmlns:a16="http://schemas.microsoft.com/office/drawing/2014/main" id="{4D0B1316-3A29-6840-8729-B15CA9CDE749}"/>
+              </a:ext>
+            </a:extLst>
+          </p:cNvPr>
+          <p:cNvCxnSpPr>
+            <a:cxnSpLocks/>
+          </p:cNvCxnSpPr>
+          <p:nvPr/>
+        </p:nvCxnSpPr>
+        <p:spPr>
+          <a:xfrm>
+            <a:off x="7609489" y="1734206"/>
+            <a:ext cx="0" cy="1093077"/>
+          </a:xfrm>
+          <a:prstGeom prst="line">
+            <a:avLst/>
+          </a:prstGeom>
+          <a:ln w="101600">
+            <a:solidFill>
+              <a:srgbClr val="FF0000"/>
+            </a:solidFill>
+          </a:ln>
+        </p:spPr>
+        <p:style>
+          <a:lnRef idx="1">
+            <a:schemeClr val="accent1"/>
+          </a:lnRef>
+          <a:fillRef idx="0">
+            <a:schemeClr val="accent1"/>
+          </a:fillRef>
+          <a:effectRef idx="0">
+            <a:schemeClr val="accent1"/>
+          </a:effectRef>
+          <a:fontRef idx="minor">
+            <a:schemeClr val="tx1"/>
+          </a:fontRef>
+        </p:style>
+      </p:cxnSp>
+      <p:cxnSp>
+        <p:nvCxnSpPr>
+          <p:cNvPr id="11" name="直線矢印コネクタ 10">
+            <a:extLst>
+              <a:ext uri="{FF2B5EF4-FFF2-40B4-BE49-F238E27FC236}">
+                <a16:creationId xmlns:a16="http://schemas.microsoft.com/office/drawing/2014/main" id="{1B505504-DC12-6B41-BA49-24094C9FD478}"/>
+              </a:ext>
+            </a:extLst>
+          </p:cNvPr>
+          <p:cNvCxnSpPr/>
+          <p:nvPr/>
+        </p:nvCxnSpPr>
+        <p:spPr>
+          <a:xfrm>
+            <a:off x="7609489" y="2827283"/>
+            <a:ext cx="956442" cy="0"/>
+          </a:xfrm>
+          <a:prstGeom prst="straightConnector1">
+            <a:avLst/>
+          </a:prstGeom>
+          <a:ln w="101600">
+            <a:solidFill>
+              <a:srgbClr val="FF0000"/>
+            </a:solidFill>
+            <a:tailEnd type="triangle"/>
+          </a:ln>
+        </p:spPr>
+        <p:style>
+          <a:lnRef idx="1">
+            <a:schemeClr val="accent1"/>
+          </a:lnRef>
+          <a:fillRef idx="0">
+            <a:schemeClr val="accent1"/>
+          </a:fillRef>
+          <a:effectRef idx="0">
+            <a:schemeClr val="accent1"/>
+          </a:effectRef>
+          <a:fontRef idx="minor">
+            <a:schemeClr val="tx1"/>
+          </a:fontRef>
+        </p:style>
+      </p:cxnSp>
+    </p:spTree>
+    <p:extLst>
+      <p:ext uri="{BB962C8B-B14F-4D97-AF65-F5344CB8AC3E}">
+        <p14:creationId xmlns:p14="http://schemas.microsoft.com/office/powerpoint/2010/main" val="1830321637"/>
+      </p:ext>
+    </p:extLst>
+  </p:cSld>
+  <p:clrMapOvr>
+    <a:masterClrMapping/>
+  </p:clrMapOvr>
+</p:sld>
+</file>
+
+<file path=ppt/slides/slide4.xml><?xml version="1.0" encoding="utf-8"?>
+<p:sld xmlns:a="http://schemas.openxmlformats.org/drawingml/2006/main" xmlns:r="http://schemas.openxmlformats.org/officeDocument/2006/relationships" xmlns:p="http://schemas.openxmlformats.org/presentationml/2006/main">
+  <p:cSld>
+    <p:spTree>
+      <p:nvGrpSpPr>
+        <p:cNvPr id="1" name=""/>
+        <p:cNvGrpSpPr/>
+        <p:nvPr/>
+      </p:nvGrpSpPr>
+      <p:grpSpPr>
+        <a:xfrm>
+          <a:off x="0" y="0"/>
+          <a:ext cx="0" cy="0"/>
+          <a:chOff x="0" y="0"/>
+          <a:chExt cx="0" cy="0"/>
+        </a:xfrm>
+      </p:grpSpPr>
+      <p:pic>
+        <p:nvPicPr>
+          <p:cNvPr id="4" name="図 3" descr="テーブル&#10;&#10;自動的に生成された説明">
+            <a:extLst>
+              <a:ext uri="{FF2B5EF4-FFF2-40B4-BE49-F238E27FC236}">
+                <a16:creationId xmlns:a16="http://schemas.microsoft.com/office/drawing/2014/main" id="{EC5AC512-5702-5F4C-B681-2753275FAE91}"/>
+              </a:ext>
+            </a:extLst>
+          </p:cNvPr>
+          <p:cNvPicPr>
+            <a:picLocks noChangeAspect="1"/>
+          </p:cNvPicPr>
+          <p:nvPr/>
+        </p:nvPicPr>
+        <p:blipFill>
+          <a:blip r:embed="rId2"/>
+          <a:stretch>
+            <a:fillRect/>
+          </a:stretch>
+        </p:blipFill>
+        <p:spPr>
+          <a:xfrm>
+            <a:off x="2540000" y="762000"/>
+            <a:ext cx="7112000" cy="5334000"/>
+          </a:xfrm>
+          <a:prstGeom prst="rect">
+            <a:avLst/>
+          </a:prstGeom>
+        </p:spPr>
+      </p:pic>
+      <p:cxnSp>
+        <p:nvCxnSpPr>
+          <p:cNvPr id="7" name="直線コネクタ 6">
+            <a:extLst>
+              <a:ext uri="{FF2B5EF4-FFF2-40B4-BE49-F238E27FC236}">
+                <a16:creationId xmlns:a16="http://schemas.microsoft.com/office/drawing/2014/main" id="{FF2695E6-238B-FC44-AFC4-FABFC57C2FC0}"/>
+              </a:ext>
+            </a:extLst>
+          </p:cNvPr>
+          <p:cNvCxnSpPr>
+            <a:cxnSpLocks/>
+          </p:cNvCxnSpPr>
+          <p:nvPr/>
+        </p:nvCxnSpPr>
+        <p:spPr>
+          <a:xfrm>
+            <a:off x="3920358" y="1734206"/>
+            <a:ext cx="3689131" cy="0"/>
+          </a:xfrm>
+          <a:prstGeom prst="line">
+            <a:avLst/>
+          </a:prstGeom>
+          <a:ln w="101600">
+            <a:solidFill>
+              <a:srgbClr val="FF0000"/>
+            </a:solidFill>
+          </a:ln>
+        </p:spPr>
+        <p:style>
+          <a:lnRef idx="1">
+            <a:schemeClr val="accent1"/>
+          </a:lnRef>
+          <a:fillRef idx="0">
+            <a:schemeClr val="accent1"/>
+          </a:fillRef>
+          <a:effectRef idx="0">
+            <a:schemeClr val="accent1"/>
+          </a:effectRef>
+          <a:fontRef idx="minor">
+            <a:schemeClr val="tx1"/>
+          </a:fontRef>
+        </p:style>
+      </p:cxnSp>
+      <p:cxnSp>
+        <p:nvCxnSpPr>
+          <p:cNvPr id="9" name="直線コネクタ 8">
+            <a:extLst>
+              <a:ext uri="{FF2B5EF4-FFF2-40B4-BE49-F238E27FC236}">
+                <a16:creationId xmlns:a16="http://schemas.microsoft.com/office/drawing/2014/main" id="{4D0B1316-3A29-6840-8729-B15CA9CDE749}"/>
+              </a:ext>
+            </a:extLst>
+          </p:cNvPr>
+          <p:cNvCxnSpPr>
+            <a:cxnSpLocks/>
+          </p:cNvCxnSpPr>
+          <p:nvPr/>
+        </p:nvCxnSpPr>
+        <p:spPr>
+          <a:xfrm>
+            <a:off x="7609489" y="1734206"/>
+            <a:ext cx="0" cy="1093077"/>
+          </a:xfrm>
+          <a:prstGeom prst="line">
+            <a:avLst/>
+          </a:prstGeom>
+          <a:ln w="101600">
+            <a:solidFill>
+              <a:srgbClr val="FF0000"/>
+            </a:solidFill>
+          </a:ln>
+        </p:spPr>
+        <p:style>
+          <a:lnRef idx="1">
+            <a:schemeClr val="accent1"/>
+          </a:lnRef>
+          <a:fillRef idx="0">
+            <a:schemeClr val="accent1"/>
+          </a:fillRef>
+          <a:effectRef idx="0">
+            <a:schemeClr val="accent1"/>
+          </a:effectRef>
+          <a:fontRef idx="minor">
+            <a:schemeClr val="tx1"/>
+          </a:fontRef>
+        </p:style>
+      </p:cxnSp>
+      <p:cxnSp>
+        <p:nvCxnSpPr>
+          <p:cNvPr id="11" name="直線矢印コネクタ 10">
+            <a:extLst>
+              <a:ext uri="{FF2B5EF4-FFF2-40B4-BE49-F238E27FC236}">
+                <a16:creationId xmlns:a16="http://schemas.microsoft.com/office/drawing/2014/main" id="{1B505504-DC12-6B41-BA49-24094C9FD478}"/>
+              </a:ext>
+            </a:extLst>
+          </p:cNvPr>
+          <p:cNvCxnSpPr/>
+          <p:nvPr/>
+        </p:nvCxnSpPr>
+        <p:spPr>
+          <a:xfrm>
+            <a:off x="7609489" y="2827283"/>
+            <a:ext cx="956442" cy="0"/>
+          </a:xfrm>
+          <a:prstGeom prst="straightConnector1">
+            <a:avLst/>
+          </a:prstGeom>
+          <a:ln w="101600">
+            <a:solidFill>
+              <a:srgbClr val="FF0000"/>
+            </a:solidFill>
+            <a:tailEnd type="triangle"/>
+          </a:ln>
+        </p:spPr>
+        <p:style>
+          <a:lnRef idx="1">
+            <a:schemeClr val="accent1"/>
+          </a:lnRef>
+          <a:fillRef idx="0">
+            <a:schemeClr val="accent1"/>
+          </a:fillRef>
+          <a:effectRef idx="0">
+            <a:schemeClr val="accent1"/>
+          </a:effectRef>
+          <a:fontRef idx="minor">
+            <a:schemeClr val="tx1"/>
+          </a:fontRef>
+        </p:style>
+      </p:cxnSp>
+    </p:spTree>
+    <p:extLst>
+      <p:ext uri="{BB962C8B-B14F-4D97-AF65-F5344CB8AC3E}">
+        <p14:creationId xmlns:p14="http://schemas.microsoft.com/office/powerpoint/2010/main" val="120586990"/>
       </p:ext>
     </p:extLst>
   </p:cSld>
